--- a/Assets/기본  자원.pptx
+++ b/Assets/기본  자원.pptx
@@ -112,6 +112,11 @@
       </a:defRPr>
     </a:lvl9pPr>
   </p:defaultTextStyle>
+  <p:extLst>
+    <p:ext uri="{EFAFB233-063F-42B5-8137-9DF3F51BA10A}">
+      <p15:sldGuideLst xmlns:p15="http://schemas.microsoft.com/office/powerpoint/2012/main"/>
+    </p:ext>
+  </p:extLst>
 </p:presentation>
 </file>
 
@@ -262,7 +267,7 @@
           <a:p>
             <a:fld id="{D72A16CE-3AEF-4125-89BA-E1ACBD5F6D69}" type="datetimeFigureOut">
               <a:rPr lang="ko-KR" altLang="en-US" smtClean="0"/>
-              <a:t>2025-03-13</a:t>
+              <a:t>2025-05-08</a:t>
             </a:fld>
             <a:endParaRPr lang="ko-KR" altLang="en-US"/>
           </a:p>
@@ -460,7 +465,7 @@
           <a:p>
             <a:fld id="{D72A16CE-3AEF-4125-89BA-E1ACBD5F6D69}" type="datetimeFigureOut">
               <a:rPr lang="ko-KR" altLang="en-US" smtClean="0"/>
-              <a:t>2025-03-13</a:t>
+              <a:t>2025-05-08</a:t>
             </a:fld>
             <a:endParaRPr lang="ko-KR" altLang="en-US"/>
           </a:p>
@@ -668,7 +673,7 @@
           <a:p>
             <a:fld id="{D72A16CE-3AEF-4125-89BA-E1ACBD5F6D69}" type="datetimeFigureOut">
               <a:rPr lang="ko-KR" altLang="en-US" smtClean="0"/>
-              <a:t>2025-03-13</a:t>
+              <a:t>2025-05-08</a:t>
             </a:fld>
             <a:endParaRPr lang="ko-KR" altLang="en-US"/>
           </a:p>
@@ -866,7 +871,7 @@
           <a:p>
             <a:fld id="{D72A16CE-3AEF-4125-89BA-E1ACBD5F6D69}" type="datetimeFigureOut">
               <a:rPr lang="ko-KR" altLang="en-US" smtClean="0"/>
-              <a:t>2025-03-13</a:t>
+              <a:t>2025-05-08</a:t>
             </a:fld>
             <a:endParaRPr lang="ko-KR" altLang="en-US"/>
           </a:p>
@@ -1141,7 +1146,7 @@
           <a:p>
             <a:fld id="{D72A16CE-3AEF-4125-89BA-E1ACBD5F6D69}" type="datetimeFigureOut">
               <a:rPr lang="ko-KR" altLang="en-US" smtClean="0"/>
-              <a:t>2025-03-13</a:t>
+              <a:t>2025-05-08</a:t>
             </a:fld>
             <a:endParaRPr lang="ko-KR" altLang="en-US"/>
           </a:p>
@@ -1406,7 +1411,7 @@
           <a:p>
             <a:fld id="{D72A16CE-3AEF-4125-89BA-E1ACBD5F6D69}" type="datetimeFigureOut">
               <a:rPr lang="ko-KR" altLang="en-US" smtClean="0"/>
-              <a:t>2025-03-13</a:t>
+              <a:t>2025-05-08</a:t>
             </a:fld>
             <a:endParaRPr lang="ko-KR" altLang="en-US"/>
           </a:p>
@@ -1818,7 +1823,7 @@
           <a:p>
             <a:fld id="{D72A16CE-3AEF-4125-89BA-E1ACBD5F6D69}" type="datetimeFigureOut">
               <a:rPr lang="ko-KR" altLang="en-US" smtClean="0"/>
-              <a:t>2025-03-13</a:t>
+              <a:t>2025-05-08</a:t>
             </a:fld>
             <a:endParaRPr lang="ko-KR" altLang="en-US"/>
           </a:p>
@@ -1959,7 +1964,7 @@
           <a:p>
             <a:fld id="{D72A16CE-3AEF-4125-89BA-E1ACBD5F6D69}" type="datetimeFigureOut">
               <a:rPr lang="ko-KR" altLang="en-US" smtClean="0"/>
-              <a:t>2025-03-13</a:t>
+              <a:t>2025-05-08</a:t>
             </a:fld>
             <a:endParaRPr lang="ko-KR" altLang="en-US"/>
           </a:p>
@@ -2072,7 +2077,7 @@
           <a:p>
             <a:fld id="{D72A16CE-3AEF-4125-89BA-E1ACBD5F6D69}" type="datetimeFigureOut">
               <a:rPr lang="ko-KR" altLang="en-US" smtClean="0"/>
-              <a:t>2025-03-13</a:t>
+              <a:t>2025-05-08</a:t>
             </a:fld>
             <a:endParaRPr lang="ko-KR" altLang="en-US"/>
           </a:p>
@@ -2383,7 +2388,7 @@
           <a:p>
             <a:fld id="{D72A16CE-3AEF-4125-89BA-E1ACBD5F6D69}" type="datetimeFigureOut">
               <a:rPr lang="ko-KR" altLang="en-US" smtClean="0"/>
-              <a:t>2025-03-13</a:t>
+              <a:t>2025-05-08</a:t>
             </a:fld>
             <a:endParaRPr lang="ko-KR" altLang="en-US"/>
           </a:p>
@@ -2671,7 +2676,7 @@
           <a:p>
             <a:fld id="{D72A16CE-3AEF-4125-89BA-E1ACBD5F6D69}" type="datetimeFigureOut">
               <a:rPr lang="ko-KR" altLang="en-US" smtClean="0"/>
-              <a:t>2025-03-13</a:t>
+              <a:t>2025-05-08</a:t>
             </a:fld>
             <a:endParaRPr lang="ko-KR" altLang="en-US"/>
           </a:p>
@@ -2912,7 +2917,7 @@
           <a:p>
             <a:fld id="{D72A16CE-3AEF-4125-89BA-E1ACBD5F6D69}" type="datetimeFigureOut">
               <a:rPr lang="ko-KR" altLang="en-US" smtClean="0"/>
-              <a:t>2025-03-13</a:t>
+              <a:t>2025-05-08</a:t>
             </a:fld>
             <a:endParaRPr lang="ko-KR" altLang="en-US"/>
           </a:p>
@@ -4298,7 +4303,47 @@
             </a:r>
             <a:r>
               <a:rPr lang="ko-KR" altLang="en-US" dirty="0"/>
-              <a:t>주위에 있으면 체온이 많이 오름</a:t>
+              <a:t>주위에 있으면 체온이 많이 </a:t>
+            </a:r>
+            <a:r>
+              <a:rPr lang="ko-KR" altLang="en-US" dirty="0" smtClean="0"/>
+              <a:t>오름</a:t>
+            </a:r>
+            <a:endParaRPr lang="en-US" altLang="ko-KR" dirty="0" smtClean="0"/>
+          </a:p>
+          <a:p>
+            <a:pPr algn="l"/>
+            <a:r>
+              <a:rPr lang="ko-KR" altLang="en-US" dirty="0" smtClean="0"/>
+              <a:t>이민경 </a:t>
+            </a:r>
+            <a:r>
+              <a:rPr lang="en-US" altLang="ko-KR" dirty="0" smtClean="0"/>
+              <a:t>: </a:t>
+            </a:r>
+            <a:r>
+              <a:rPr lang="ko-KR" altLang="en-US" dirty="0" smtClean="0"/>
+              <a:t>터치하면 돈 </a:t>
+            </a:r>
+            <a:r>
+              <a:rPr lang="en-US" altLang="ko-KR" dirty="0" smtClean="0"/>
+              <a:t>-10</a:t>
+            </a:r>
+            <a:r>
+              <a:rPr lang="ko-KR" altLang="en-US" dirty="0" smtClean="0"/>
+              <a:t>을 얻는다</a:t>
+            </a:r>
+            <a:r>
+              <a:rPr lang="en-US" altLang="ko-KR" dirty="0" smtClean="0"/>
+              <a:t>(</a:t>
+            </a:r>
+            <a:r>
+              <a:rPr lang="ko-KR" altLang="en-US" dirty="0" smtClean="0"/>
+              <a:t>횡령</a:t>
+            </a:r>
+            <a:r>
+              <a:rPr lang="en-US" altLang="ko-KR" dirty="0" smtClean="0"/>
+              <a:t>)</a:t>
             </a:r>
             <a:endParaRPr lang="en-US" altLang="ko-KR" dirty="0"/>
           </a:p>
